--- a/선행 자료/1 - C++ 도입.pptx
+++ b/선행 자료/1 - C++ 도입.pptx
@@ -1,6 +1,6 @@
 
 <file path=ppt/presentation.xml><?xml version="1.0" encoding="utf-8"?>
-<p:presentation xmlns:a="http://schemas.openxmlformats.org/drawingml/2006/main" xmlns:r="http://schemas.openxmlformats.org/officeDocument/2006/relationships" xmlns:p="http://schemas.openxmlformats.org/presentationml/2006/main" saveSubsetFonts="1">
+<p:presentation xmlns:a="http://schemas.openxmlformats.org/drawingml/2006/main" xmlns:r="http://schemas.openxmlformats.org/officeDocument/2006/relationships" xmlns:p="http://schemas.openxmlformats.org/presentationml/2006/main" embedTrueTypeFonts="1" saveSubsetFonts="1">
   <p:sldMasterIdLst>
     <p:sldMasterId id="2147483648" r:id="rId1"/>
   </p:sldMasterIdLst>
@@ -24,6 +24,24 @@
   </p:sldIdLst>
   <p:sldSz cx="12192000" cy="6858000"/>
   <p:notesSz cx="6858000" cy="9144000"/>
+  <p:embeddedFontLst>
+    <p:embeddedFont>
+      <p:font typeface="나눔고딕 Light" panose="020D0904000000000000" pitchFamily="50" charset="-127"/>
+      <p:regular r:id="rId18"/>
+    </p:embeddedFont>
+    <p:embeddedFont>
+      <p:font typeface="맑은 고딕" panose="020B0503020000020004" pitchFamily="50" charset="-127"/>
+      <p:regular r:id="rId19"/>
+      <p:bold r:id="rId20"/>
+    </p:embeddedFont>
+    <p:embeddedFont>
+      <p:font typeface="Consolas" panose="020B0609020204030204" pitchFamily="49" charset="0"/>
+      <p:regular r:id="rId21"/>
+      <p:bold r:id="rId22"/>
+      <p:italic r:id="rId23"/>
+      <p:boldItalic r:id="rId24"/>
+    </p:embeddedFont>
+  </p:embeddedFontLst>
   <p:defaultTextStyle>
     <a:defPPr>
       <a:defRPr lang="ko-KR"/>
@@ -274,7 +292,7 @@
           <a:p>
             <a:fld id="{3BAD717E-5B48-41D6-98B3-DB23E84BF0BC}" type="datetimeFigureOut">
               <a:rPr lang="ko-KR" altLang="en-US" smtClean="0"/>
-              <a:t>2021-07-30</a:t>
+              <a:t>2021-08-02</a:t>
             </a:fld>
             <a:endParaRPr lang="ko-KR" altLang="en-US"/>
           </a:p>
@@ -472,7 +490,7 @@
           <a:p>
             <a:fld id="{3BAD717E-5B48-41D6-98B3-DB23E84BF0BC}" type="datetimeFigureOut">
               <a:rPr lang="ko-KR" altLang="en-US" smtClean="0"/>
-              <a:t>2021-07-30</a:t>
+              <a:t>2021-08-02</a:t>
             </a:fld>
             <a:endParaRPr lang="ko-KR" altLang="en-US"/>
           </a:p>
@@ -680,7 +698,7 @@
           <a:p>
             <a:fld id="{3BAD717E-5B48-41D6-98B3-DB23E84BF0BC}" type="datetimeFigureOut">
               <a:rPr lang="ko-KR" altLang="en-US" smtClean="0"/>
-              <a:t>2021-07-30</a:t>
+              <a:t>2021-08-02</a:t>
             </a:fld>
             <a:endParaRPr lang="ko-KR" altLang="en-US"/>
           </a:p>
@@ -878,7 +896,7 @@
           <a:p>
             <a:fld id="{3BAD717E-5B48-41D6-98B3-DB23E84BF0BC}" type="datetimeFigureOut">
               <a:rPr lang="ko-KR" altLang="en-US" smtClean="0"/>
-              <a:t>2021-07-30</a:t>
+              <a:t>2021-08-02</a:t>
             </a:fld>
             <a:endParaRPr lang="ko-KR" altLang="en-US"/>
           </a:p>
@@ -1153,7 +1171,7 @@
           <a:p>
             <a:fld id="{3BAD717E-5B48-41D6-98B3-DB23E84BF0BC}" type="datetimeFigureOut">
               <a:rPr lang="ko-KR" altLang="en-US" smtClean="0"/>
-              <a:t>2021-07-30</a:t>
+              <a:t>2021-08-02</a:t>
             </a:fld>
             <a:endParaRPr lang="ko-KR" altLang="en-US"/>
           </a:p>
@@ -1418,7 +1436,7 @@
           <a:p>
             <a:fld id="{3BAD717E-5B48-41D6-98B3-DB23E84BF0BC}" type="datetimeFigureOut">
               <a:rPr lang="ko-KR" altLang="en-US" smtClean="0"/>
-              <a:t>2021-07-30</a:t>
+              <a:t>2021-08-02</a:t>
             </a:fld>
             <a:endParaRPr lang="ko-KR" altLang="en-US"/>
           </a:p>
@@ -1830,7 +1848,7 @@
           <a:p>
             <a:fld id="{3BAD717E-5B48-41D6-98B3-DB23E84BF0BC}" type="datetimeFigureOut">
               <a:rPr lang="ko-KR" altLang="en-US" smtClean="0"/>
-              <a:t>2021-07-30</a:t>
+              <a:t>2021-08-02</a:t>
             </a:fld>
             <a:endParaRPr lang="ko-KR" altLang="en-US"/>
           </a:p>
@@ -1971,7 +1989,7 @@
           <a:p>
             <a:fld id="{3BAD717E-5B48-41D6-98B3-DB23E84BF0BC}" type="datetimeFigureOut">
               <a:rPr lang="ko-KR" altLang="en-US" smtClean="0"/>
-              <a:t>2021-07-30</a:t>
+              <a:t>2021-08-02</a:t>
             </a:fld>
             <a:endParaRPr lang="ko-KR" altLang="en-US"/>
           </a:p>
@@ -2084,7 +2102,7 @@
           <a:p>
             <a:fld id="{3BAD717E-5B48-41D6-98B3-DB23E84BF0BC}" type="datetimeFigureOut">
               <a:rPr lang="ko-KR" altLang="en-US" smtClean="0"/>
-              <a:t>2021-07-30</a:t>
+              <a:t>2021-08-02</a:t>
             </a:fld>
             <a:endParaRPr lang="ko-KR" altLang="en-US"/>
           </a:p>
@@ -2395,7 +2413,7 @@
           <a:p>
             <a:fld id="{3BAD717E-5B48-41D6-98B3-DB23E84BF0BC}" type="datetimeFigureOut">
               <a:rPr lang="ko-KR" altLang="en-US" smtClean="0"/>
-              <a:t>2021-07-30</a:t>
+              <a:t>2021-08-02</a:t>
             </a:fld>
             <a:endParaRPr lang="ko-KR" altLang="en-US"/>
           </a:p>
@@ -2683,7 +2701,7 @@
           <a:p>
             <a:fld id="{3BAD717E-5B48-41D6-98B3-DB23E84BF0BC}" type="datetimeFigureOut">
               <a:rPr lang="ko-KR" altLang="en-US" smtClean="0"/>
-              <a:t>2021-07-30</a:t>
+              <a:t>2021-08-02</a:t>
             </a:fld>
             <a:endParaRPr lang="ko-KR" altLang="en-US"/>
           </a:p>
@@ -2924,7 +2942,7 @@
           <a:p>
             <a:fld id="{3BAD717E-5B48-41D6-98B3-DB23E84BF0BC}" type="datetimeFigureOut">
               <a:rPr lang="ko-KR" altLang="en-US" smtClean="0"/>
-              <a:t>2021-07-30</a:t>
+              <a:t>2021-08-02</a:t>
             </a:fld>
             <a:endParaRPr lang="ko-KR" altLang="en-US"/>
           </a:p>
